--- a/待做实验.pptx
+++ b/待做实验.pptx
@@ -2978,13 +2978,13 @@
           <p:nvPr>
             <p:extLst>
               <p:ext uri="{D42A27DB-BD31-4B8C-83A1-F6EECF244321}">
-                <p14:modId xmlns:p14="http://schemas.microsoft.com/office/powerpoint/2010/main" val="4015278027"/>
+                <p14:modId xmlns:p14="http://schemas.microsoft.com/office/powerpoint/2010/main" val="3292970041"/>
               </p:ext>
             </p:extLst>
           </p:nvPr>
         </p:nvGraphicFramePr>
         <p:xfrm>
-          <a:off x="968991" y="699650"/>
+          <a:off x="1056076" y="122707"/>
           <a:ext cx="9318553" cy="6002387"/>
         </p:xfrm>
         <a:graphic>

--- a/待做实验.pptx
+++ b/待做实验.pptx
@@ -2978,14 +2978,14 @@
           <p:nvPr>
             <p:extLst>
               <p:ext uri="{D42A27DB-BD31-4B8C-83A1-F6EECF244321}">
-                <p14:modId xmlns:p14="http://schemas.microsoft.com/office/powerpoint/2010/main" val="3292970041"/>
+                <p14:modId xmlns:p14="http://schemas.microsoft.com/office/powerpoint/2010/main" val="2072807546"/>
               </p:ext>
             </p:extLst>
           </p:nvPr>
         </p:nvGraphicFramePr>
         <p:xfrm>
-          <a:off x="1056076" y="122707"/>
-          <a:ext cx="9318553" cy="6002387"/>
+          <a:off x="951804" y="122708"/>
+          <a:ext cx="9090300" cy="6278486"/>
         </p:xfrm>
         <a:graphic>
           <a:graphicData uri="http://schemas.openxmlformats.org/drawingml/2006/table">
@@ -2994,21 +2994,21 @@
                 <a:tableStyleId>{5C22544A-7EE6-4342-B048-85BDC9FD1C3A}</a:tableStyleId>
               </a:tblPr>
               <a:tblGrid>
-                <a:gridCol w="1501254"/>
-                <a:gridCol w="1802751"/>
-                <a:gridCol w="1355272"/>
-                <a:gridCol w="1681598"/>
-                <a:gridCol w="1424586"/>
-                <a:gridCol w="1553092"/>
+                <a:gridCol w="2156524"/>
+                <a:gridCol w="2064068"/>
+                <a:gridCol w="1297532"/>
+                <a:gridCol w="1114742"/>
+                <a:gridCol w="1339516"/>
+                <a:gridCol w="1117918"/>
               </a:tblGrid>
-              <a:tr h="370840">
+              <a:tr h="351731">
                 <a:tc rowSpan="2">
                   <a:txBody>
                     <a:bodyPr/>
                     <a:lstStyle/>
                     <a:p>
                       <a:pPr algn="ctr"/>
-                      <a:endParaRPr lang="zh-CN" altLang="en-US" dirty="0"/>
+                      <a:endParaRPr lang="zh-CN" altLang="en-US" sz="1800" dirty="0"/>
                     </a:p>
                   </a:txBody>
                   <a:tcPr/>
@@ -3020,10 +3020,10 @@
                     <a:p>
                       <a:pPr algn="ctr"/>
                       <a:r>
-                        <a:rPr lang="en-US" altLang="zh-CN" dirty="0" smtClean="0"/>
+                        <a:rPr lang="en-US" altLang="zh-CN" sz="1800" dirty="0" smtClean="0"/>
                         <a:t>Models</a:t>
                       </a:r>
-                      <a:endParaRPr lang="zh-CN" altLang="en-US" dirty="0"/>
+                      <a:endParaRPr lang="zh-CN" altLang="en-US" sz="1800" dirty="0"/>
                     </a:p>
                   </a:txBody>
                   <a:tcPr anchor="ctr"/>
@@ -3035,24 +3035,24 @@
                     <a:p>
                       <a:pPr algn="ctr"/>
                       <a:r>
-                        <a:rPr lang="en-US" altLang="zh-CN" dirty="0" smtClean="0"/>
+                        <a:rPr lang="en-US" altLang="zh-CN" sz="1800" dirty="0" smtClean="0"/>
                         <a:t>MS-Marco</a:t>
                       </a:r>
+                      <a:endParaRPr lang="zh-CN" altLang="en-US" sz="1800" dirty="0"/>
+                    </a:p>
+                  </a:txBody>
+                  <a:tcPr/>
+                </a:tc>
+                <a:tc hMerge="1">
+                  <a:txBody>
+                    <a:bodyPr/>
+                    <a:lstStyle/>
+                    <a:p>
                       <a:endParaRPr lang="zh-CN" altLang="en-US" dirty="0"/>
                     </a:p>
                   </a:txBody>
                   <a:tcPr/>
                 </a:tc>
-                <a:tc hMerge="1">
-                  <a:txBody>
-                    <a:bodyPr/>
-                    <a:lstStyle/>
-                    <a:p>
-                      <a:endParaRPr lang="zh-CN" altLang="en-US" dirty="0"/>
-                    </a:p>
-                  </a:txBody>
-                  <a:tcPr/>
-                </a:tc>
                 <a:tc gridSpan="2">
                   <a:txBody>
                     <a:bodyPr/>
@@ -3060,19 +3060,41 @@
                     <a:p>
                       <a:pPr algn="ctr"/>
                       <a:r>
-                        <a:rPr lang="en-US" altLang="zh-CN" dirty="0" err="1" smtClean="0"/>
+                        <a:rPr lang="en-US" altLang="zh-CN" sz="1800" dirty="0" err="1" smtClean="0"/>
                         <a:t>Trec</a:t>
                       </a:r>
                       <a:r>
-                        <a:rPr lang="en-US" altLang="zh-CN" dirty="0" smtClean="0"/>
+                        <a:rPr lang="en-US" altLang="zh-CN" sz="1800" dirty="0" smtClean="0"/>
                         <a:t>-DL</a:t>
                       </a:r>
+                      <a:endParaRPr lang="zh-CN" altLang="en-US" sz="1800" dirty="0"/>
+                    </a:p>
+                  </a:txBody>
+                  <a:tcPr/>
+                </a:tc>
+                <a:tc hMerge="1">
+                  <a:txBody>
+                    <a:bodyPr/>
+                    <a:lstStyle/>
+                    <a:p>
                       <a:endParaRPr lang="zh-CN" altLang="en-US" dirty="0"/>
                     </a:p>
                   </a:txBody>
                   <a:tcPr/>
                 </a:tc>
-                <a:tc hMerge="1">
+              </a:tr>
+              <a:tr h="351731">
+                <a:tc vMerge="1">
+                  <a:txBody>
+                    <a:bodyPr/>
+                    <a:lstStyle/>
+                    <a:p>
+                      <a:endParaRPr lang="zh-CN" altLang="en-US"/>
+                    </a:p>
+                  </a:txBody>
+                  <a:tcPr/>
+                </a:tc>
+                <a:tc vMerge="1">
                   <a:txBody>
                     <a:bodyPr/>
                     <a:lstStyle/>
@@ -3082,28 +3104,6 @@
                   </a:txBody>
                   <a:tcPr/>
                 </a:tc>
-              </a:tr>
-              <a:tr h="368667">
-                <a:tc vMerge="1">
-                  <a:txBody>
-                    <a:bodyPr/>
-                    <a:lstStyle/>
-                    <a:p>
-                      <a:endParaRPr lang="zh-CN" altLang="en-US"/>
-                    </a:p>
-                  </a:txBody>
-                  <a:tcPr/>
-                </a:tc>
-                <a:tc vMerge="1">
-                  <a:txBody>
-                    <a:bodyPr/>
-                    <a:lstStyle/>
-                    <a:p>
-                      <a:endParaRPr lang="zh-CN" altLang="en-US" dirty="0"/>
-                    </a:p>
-                  </a:txBody>
-                  <a:tcPr/>
-                </a:tc>
                 <a:tc>
                   <a:txBody>
                     <a:bodyPr/>
@@ -3111,10 +3111,10 @@
                     <a:p>
                       <a:pPr algn="ctr"/>
                       <a:r>
-                        <a:rPr lang="en-US" altLang="zh-CN" dirty="0" smtClean="0"/>
+                        <a:rPr lang="en-US" altLang="zh-CN" sz="1800" dirty="0" smtClean="0"/>
                         <a:t>MRR@100</a:t>
                       </a:r>
-                      <a:endParaRPr lang="zh-CN" altLang="en-US" dirty="0"/>
+                      <a:endParaRPr lang="zh-CN" altLang="en-US" sz="1800" dirty="0"/>
                     </a:p>
                   </a:txBody>
                   <a:tcPr/>
@@ -3126,10 +3126,10 @@
                     <a:p>
                       <a:pPr algn="ctr"/>
                       <a:r>
-                        <a:rPr lang="en-US" altLang="zh-CN" dirty="0" smtClean="0"/>
+                        <a:rPr lang="en-US" altLang="zh-CN" sz="1800" dirty="0" smtClean="0"/>
                         <a:t>MRR@10</a:t>
                       </a:r>
-                      <a:endParaRPr lang="zh-CN" altLang="en-US" dirty="0"/>
+                      <a:endParaRPr lang="zh-CN" altLang="en-US" sz="1800" dirty="0"/>
                     </a:p>
                   </a:txBody>
                   <a:tcPr/>
@@ -3141,10 +3141,10 @@
                     <a:p>
                       <a:pPr algn="ctr"/>
                       <a:r>
-                        <a:rPr lang="en-US" altLang="zh-CN" dirty="0" smtClean="0"/>
+                        <a:rPr lang="en-US" altLang="zh-CN" sz="1800" dirty="0" smtClean="0"/>
                         <a:t>ndcg@100</a:t>
                       </a:r>
-                      <a:endParaRPr lang="zh-CN" altLang="en-US" dirty="0"/>
+                      <a:endParaRPr lang="zh-CN" altLang="en-US" sz="1800" dirty="0"/>
                     </a:p>
                   </a:txBody>
                   <a:tcPr/>
@@ -3156,16 +3156,16 @@
                     <a:p>
                       <a:pPr algn="ctr"/>
                       <a:r>
-                        <a:rPr lang="en-US" altLang="zh-CN" dirty="0" smtClean="0"/>
+                        <a:rPr lang="en-US" altLang="zh-CN" sz="1800" dirty="0" smtClean="0"/>
                         <a:t>ndcg@10</a:t>
                       </a:r>
-                      <a:endParaRPr lang="zh-CN" altLang="en-US" dirty="0"/>
+                      <a:endParaRPr lang="zh-CN" altLang="en-US" sz="1800" dirty="0"/>
                     </a:p>
                   </a:txBody>
                   <a:tcPr/>
                 </a:tc>
               </a:tr>
-              <a:tr h="370840">
+              <a:tr h="351731">
                 <a:tc rowSpan="4">
                   <a:txBody>
                     <a:bodyPr/>
@@ -3173,10 +3173,10 @@
                     <a:p>
                       <a:pPr algn="ctr"/>
                       <a:r>
-                        <a:rPr lang="en-US" altLang="zh-CN" dirty="0" smtClean="0"/>
+                        <a:rPr lang="en-US" altLang="zh-CN" sz="1800" dirty="0" smtClean="0"/>
                         <a:t>Baseline</a:t>
                       </a:r>
-                      <a:endParaRPr lang="zh-CN" altLang="en-US" dirty="0"/>
+                      <a:endParaRPr lang="zh-CN" altLang="en-US" sz="1800" dirty="0"/>
                     </a:p>
                   </a:txBody>
                   <a:tcPr anchor="ctr"/>
@@ -3188,69 +3188,69 @@
                     <a:p>
                       <a:pPr algn="ctr"/>
                       <a:r>
-                        <a:rPr lang="en-US" altLang="zh-CN" dirty="0" smtClean="0"/>
+                        <a:rPr lang="en-US" altLang="zh-CN" sz="1800" dirty="0" smtClean="0"/>
                         <a:t>DRMM</a:t>
                       </a:r>
+                      <a:endParaRPr lang="zh-CN" altLang="en-US" sz="1800" dirty="0"/>
+                    </a:p>
+                  </a:txBody>
+                  <a:tcPr anchor="ctr"/>
+                </a:tc>
+                <a:tc>
+                  <a:txBody>
+                    <a:bodyPr/>
+                    <a:lstStyle/>
+                    <a:p>
+                      <a:pPr algn="ctr"/>
+                      <a:endParaRPr lang="zh-CN" altLang="en-US" sz="1800" dirty="0"/>
+                    </a:p>
+                  </a:txBody>
+                  <a:tcPr anchor="ctr"/>
+                </a:tc>
+                <a:tc>
+                  <a:txBody>
+                    <a:bodyPr/>
+                    <a:lstStyle/>
+                    <a:p>
+                      <a:pPr algn="ctr"/>
+                      <a:endParaRPr lang="zh-CN" altLang="en-US" sz="1800" dirty="0"/>
+                    </a:p>
+                  </a:txBody>
+                  <a:tcPr anchor="ctr"/>
+                </a:tc>
+                <a:tc>
+                  <a:txBody>
+                    <a:bodyPr/>
+                    <a:lstStyle/>
+                    <a:p>
+                      <a:pPr algn="ctr"/>
+                      <a:endParaRPr lang="zh-CN" altLang="en-US" sz="1800" dirty="0"/>
+                    </a:p>
+                  </a:txBody>
+                  <a:tcPr anchor="ctr"/>
+                </a:tc>
+                <a:tc>
+                  <a:txBody>
+                    <a:bodyPr/>
+                    <a:lstStyle/>
+                    <a:p>
+                      <a:pPr algn="ctr"/>
+                      <a:endParaRPr lang="zh-CN" altLang="en-US" sz="1800" dirty="0"/>
+                    </a:p>
+                  </a:txBody>
+                  <a:tcPr anchor="ctr"/>
+                </a:tc>
+              </a:tr>
+              <a:tr h="351731">
+                <a:tc vMerge="1">
+                  <a:txBody>
+                    <a:bodyPr/>
+                    <a:lstStyle/>
+                    <a:p>
+                      <a:pPr algn="ctr"/>
                       <a:endParaRPr lang="zh-CN" altLang="en-US" dirty="0"/>
                     </a:p>
                   </a:txBody>
-                  <a:tcPr anchor="ctr"/>
-                </a:tc>
-                <a:tc>
-                  <a:txBody>
-                    <a:bodyPr/>
-                    <a:lstStyle/>
-                    <a:p>
-                      <a:pPr algn="ctr"/>
-                      <a:endParaRPr lang="zh-CN" altLang="en-US" dirty="0"/>
-                    </a:p>
-                  </a:txBody>
-                  <a:tcPr anchor="ctr"/>
-                </a:tc>
-                <a:tc>
-                  <a:txBody>
-                    <a:bodyPr/>
-                    <a:lstStyle/>
-                    <a:p>
-                      <a:pPr algn="ctr"/>
-                      <a:endParaRPr lang="zh-CN" altLang="en-US" dirty="0"/>
-                    </a:p>
-                  </a:txBody>
-                  <a:tcPr anchor="ctr"/>
-                </a:tc>
-                <a:tc>
-                  <a:txBody>
-                    <a:bodyPr/>
-                    <a:lstStyle/>
-                    <a:p>
-                      <a:pPr algn="ctr"/>
-                      <a:endParaRPr lang="zh-CN" altLang="en-US" dirty="0"/>
-                    </a:p>
-                  </a:txBody>
-                  <a:tcPr anchor="ctr"/>
-                </a:tc>
-                <a:tc>
-                  <a:txBody>
-                    <a:bodyPr/>
-                    <a:lstStyle/>
-                    <a:p>
-                      <a:pPr algn="ctr"/>
-                      <a:endParaRPr lang="zh-CN" altLang="en-US" dirty="0"/>
-                    </a:p>
-                  </a:txBody>
-                  <a:tcPr anchor="ctr"/>
-                </a:tc>
-              </a:tr>
-              <a:tr h="370840">
-                <a:tc vMerge="1">
-                  <a:txBody>
-                    <a:bodyPr/>
-                    <a:lstStyle/>
-                    <a:p>
-                      <a:pPr algn="ctr"/>
-                      <a:endParaRPr lang="zh-CN" altLang="en-US" dirty="0"/>
-                    </a:p>
-                  </a:txBody>
                   <a:tcPr/>
                 </a:tc>
                 <a:tc>
@@ -3260,69 +3260,69 @@
                     <a:p>
                       <a:pPr algn="ctr"/>
                       <a:r>
-                        <a:rPr lang="en-US" altLang="zh-CN" dirty="0" smtClean="0"/>
+                        <a:rPr lang="en-US" altLang="zh-CN" sz="1800" dirty="0" smtClean="0"/>
                         <a:t>DUET</a:t>
                       </a:r>
+                      <a:endParaRPr lang="zh-CN" altLang="en-US" sz="1800" dirty="0"/>
+                    </a:p>
+                  </a:txBody>
+                  <a:tcPr anchor="ctr"/>
+                </a:tc>
+                <a:tc>
+                  <a:txBody>
+                    <a:bodyPr/>
+                    <a:lstStyle/>
+                    <a:p>
+                      <a:pPr algn="ctr"/>
+                      <a:endParaRPr lang="zh-CN" altLang="en-US" sz="1800" dirty="0"/>
+                    </a:p>
+                  </a:txBody>
+                  <a:tcPr anchor="ctr"/>
+                </a:tc>
+                <a:tc>
+                  <a:txBody>
+                    <a:bodyPr/>
+                    <a:lstStyle/>
+                    <a:p>
+                      <a:pPr algn="ctr"/>
+                      <a:endParaRPr lang="zh-CN" altLang="en-US" sz="1800" dirty="0"/>
+                    </a:p>
+                  </a:txBody>
+                  <a:tcPr anchor="ctr"/>
+                </a:tc>
+                <a:tc>
+                  <a:txBody>
+                    <a:bodyPr/>
+                    <a:lstStyle/>
+                    <a:p>
+                      <a:pPr algn="ctr"/>
+                      <a:endParaRPr lang="zh-CN" altLang="en-US" sz="1800" dirty="0"/>
+                    </a:p>
+                  </a:txBody>
+                  <a:tcPr anchor="ctr"/>
+                </a:tc>
+                <a:tc>
+                  <a:txBody>
+                    <a:bodyPr/>
+                    <a:lstStyle/>
+                    <a:p>
+                      <a:pPr algn="ctr"/>
+                      <a:endParaRPr lang="zh-CN" altLang="en-US" sz="1800" dirty="0"/>
+                    </a:p>
+                  </a:txBody>
+                  <a:tcPr anchor="ctr"/>
+                </a:tc>
+              </a:tr>
+              <a:tr h="351731">
+                <a:tc vMerge="1">
+                  <a:txBody>
+                    <a:bodyPr/>
+                    <a:lstStyle/>
+                    <a:p>
+                      <a:pPr algn="ctr"/>
                       <a:endParaRPr lang="zh-CN" altLang="en-US" dirty="0"/>
                     </a:p>
                   </a:txBody>
-                  <a:tcPr anchor="ctr"/>
-                </a:tc>
-                <a:tc>
-                  <a:txBody>
-                    <a:bodyPr/>
-                    <a:lstStyle/>
-                    <a:p>
-                      <a:pPr algn="ctr"/>
-                      <a:endParaRPr lang="zh-CN" altLang="en-US" dirty="0"/>
-                    </a:p>
-                  </a:txBody>
-                  <a:tcPr anchor="ctr"/>
-                </a:tc>
-                <a:tc>
-                  <a:txBody>
-                    <a:bodyPr/>
-                    <a:lstStyle/>
-                    <a:p>
-                      <a:pPr algn="ctr"/>
-                      <a:endParaRPr lang="zh-CN" altLang="en-US" dirty="0"/>
-                    </a:p>
-                  </a:txBody>
-                  <a:tcPr anchor="ctr"/>
-                </a:tc>
-                <a:tc>
-                  <a:txBody>
-                    <a:bodyPr/>
-                    <a:lstStyle/>
-                    <a:p>
-                      <a:pPr algn="ctr"/>
-                      <a:endParaRPr lang="zh-CN" altLang="en-US" dirty="0"/>
-                    </a:p>
-                  </a:txBody>
-                  <a:tcPr anchor="ctr"/>
-                </a:tc>
-                <a:tc>
-                  <a:txBody>
-                    <a:bodyPr/>
-                    <a:lstStyle/>
-                    <a:p>
-                      <a:pPr algn="ctr"/>
-                      <a:endParaRPr lang="zh-CN" altLang="en-US" dirty="0"/>
-                    </a:p>
-                  </a:txBody>
-                  <a:tcPr anchor="ctr"/>
-                </a:tc>
-              </a:tr>
-              <a:tr h="370840">
-                <a:tc vMerge="1">
-                  <a:txBody>
-                    <a:bodyPr/>
-                    <a:lstStyle/>
-                    <a:p>
-                      <a:pPr algn="ctr"/>
-                      <a:endParaRPr lang="zh-CN" altLang="en-US" dirty="0"/>
-                    </a:p>
-                  </a:txBody>
                   <a:tcPr/>
                 </a:tc>
                 <a:tc>
@@ -3332,69 +3332,69 @@
                     <a:p>
                       <a:pPr algn="ctr"/>
                       <a:r>
-                        <a:rPr lang="en-US" altLang="zh-CN" dirty="0" smtClean="0"/>
+                        <a:rPr lang="en-US" altLang="zh-CN" sz="1800" dirty="0" smtClean="0"/>
                         <a:t>KNRM</a:t>
                       </a:r>
+                      <a:endParaRPr lang="zh-CN" altLang="en-US" sz="1800" dirty="0"/>
+                    </a:p>
+                  </a:txBody>
+                  <a:tcPr anchor="ctr"/>
+                </a:tc>
+                <a:tc>
+                  <a:txBody>
+                    <a:bodyPr/>
+                    <a:lstStyle/>
+                    <a:p>
+                      <a:pPr algn="ctr"/>
+                      <a:endParaRPr lang="zh-CN" altLang="en-US" sz="1800" dirty="0"/>
+                    </a:p>
+                  </a:txBody>
+                  <a:tcPr anchor="ctr"/>
+                </a:tc>
+                <a:tc>
+                  <a:txBody>
+                    <a:bodyPr/>
+                    <a:lstStyle/>
+                    <a:p>
+                      <a:pPr algn="ctr"/>
+                      <a:endParaRPr lang="zh-CN" altLang="en-US" sz="1800" dirty="0"/>
+                    </a:p>
+                  </a:txBody>
+                  <a:tcPr anchor="ctr"/>
+                </a:tc>
+                <a:tc>
+                  <a:txBody>
+                    <a:bodyPr/>
+                    <a:lstStyle/>
+                    <a:p>
+                      <a:pPr algn="ctr"/>
+                      <a:endParaRPr lang="zh-CN" altLang="en-US" sz="1800" dirty="0"/>
+                    </a:p>
+                  </a:txBody>
+                  <a:tcPr anchor="ctr"/>
+                </a:tc>
+                <a:tc>
+                  <a:txBody>
+                    <a:bodyPr/>
+                    <a:lstStyle/>
+                    <a:p>
+                      <a:pPr algn="ctr"/>
+                      <a:endParaRPr lang="zh-CN" altLang="en-US" sz="1800" dirty="0"/>
+                    </a:p>
+                  </a:txBody>
+                  <a:tcPr anchor="ctr"/>
+                </a:tc>
+              </a:tr>
+              <a:tr h="351731">
+                <a:tc vMerge="1">
+                  <a:txBody>
+                    <a:bodyPr/>
+                    <a:lstStyle/>
+                    <a:p>
+                      <a:pPr algn="ctr"/>
                       <a:endParaRPr lang="zh-CN" altLang="en-US" dirty="0"/>
                     </a:p>
                   </a:txBody>
-                  <a:tcPr anchor="ctr"/>
-                </a:tc>
-                <a:tc>
-                  <a:txBody>
-                    <a:bodyPr/>
-                    <a:lstStyle/>
-                    <a:p>
-                      <a:pPr algn="ctr"/>
-                      <a:endParaRPr lang="zh-CN" altLang="en-US" dirty="0"/>
-                    </a:p>
-                  </a:txBody>
-                  <a:tcPr anchor="ctr"/>
-                </a:tc>
-                <a:tc>
-                  <a:txBody>
-                    <a:bodyPr/>
-                    <a:lstStyle/>
-                    <a:p>
-                      <a:pPr algn="ctr"/>
-                      <a:endParaRPr lang="zh-CN" altLang="en-US" dirty="0"/>
-                    </a:p>
-                  </a:txBody>
-                  <a:tcPr anchor="ctr"/>
-                </a:tc>
-                <a:tc>
-                  <a:txBody>
-                    <a:bodyPr/>
-                    <a:lstStyle/>
-                    <a:p>
-                      <a:pPr algn="ctr"/>
-                      <a:endParaRPr lang="zh-CN" altLang="en-US" dirty="0"/>
-                    </a:p>
-                  </a:txBody>
-                  <a:tcPr anchor="ctr"/>
-                </a:tc>
-                <a:tc>
-                  <a:txBody>
-                    <a:bodyPr/>
-                    <a:lstStyle/>
-                    <a:p>
-                      <a:pPr algn="ctr"/>
-                      <a:endParaRPr lang="zh-CN" altLang="en-US" dirty="0"/>
-                    </a:p>
-                  </a:txBody>
-                  <a:tcPr anchor="ctr"/>
-                </a:tc>
-              </a:tr>
-              <a:tr h="370840">
-                <a:tc vMerge="1">
-                  <a:txBody>
-                    <a:bodyPr/>
-                    <a:lstStyle/>
-                    <a:p>
-                      <a:pPr algn="ctr"/>
-                      <a:endParaRPr lang="zh-CN" altLang="en-US" dirty="0"/>
-                    </a:p>
-                  </a:txBody>
                   <a:tcPr/>
                 </a:tc>
                 <a:tc>
@@ -3404,64 +3404,64 @@
                     <a:p>
                       <a:pPr algn="ctr"/>
                       <a:r>
-                        <a:rPr lang="en-US" altLang="zh-CN" dirty="0" err="1" smtClean="0"/>
+                        <a:rPr lang="en-US" altLang="zh-CN" sz="1800" dirty="0" err="1" smtClean="0"/>
                         <a:t>Conv</a:t>
                       </a:r>
                       <a:r>
-                        <a:rPr lang="en-US" altLang="zh-CN" dirty="0" smtClean="0"/>
+                        <a:rPr lang="en-US" altLang="zh-CN" sz="1800" dirty="0" smtClean="0"/>
                         <a:t>-KNRM</a:t>
                       </a:r>
-                      <a:endParaRPr lang="zh-CN" altLang="en-US" dirty="0"/>
-                    </a:p>
-                  </a:txBody>
-                  <a:tcPr anchor="ctr"/>
-                </a:tc>
-                <a:tc>
-                  <a:txBody>
-                    <a:bodyPr/>
-                    <a:lstStyle/>
-                    <a:p>
-                      <a:pPr algn="ctr"/>
-                      <a:endParaRPr lang="zh-CN" altLang="en-US" dirty="0"/>
-                    </a:p>
-                  </a:txBody>
-                  <a:tcPr anchor="ctr"/>
-                </a:tc>
-                <a:tc>
-                  <a:txBody>
-                    <a:bodyPr/>
-                    <a:lstStyle/>
-                    <a:p>
-                      <a:pPr algn="ctr"/>
-                      <a:endParaRPr lang="zh-CN" altLang="en-US" dirty="0"/>
-                    </a:p>
-                  </a:txBody>
-                  <a:tcPr anchor="ctr"/>
-                </a:tc>
-                <a:tc>
-                  <a:txBody>
-                    <a:bodyPr/>
-                    <a:lstStyle/>
-                    <a:p>
-                      <a:pPr algn="ctr"/>
-                      <a:endParaRPr lang="zh-CN" altLang="en-US" dirty="0"/>
-                    </a:p>
-                  </a:txBody>
-                  <a:tcPr anchor="ctr"/>
-                </a:tc>
-                <a:tc>
-                  <a:txBody>
-                    <a:bodyPr/>
-                    <a:lstStyle/>
-                    <a:p>
-                      <a:pPr algn="ctr"/>
-                      <a:endParaRPr lang="zh-CN" altLang="en-US" dirty="0"/>
+                      <a:endParaRPr lang="zh-CN" altLang="en-US" sz="1800" dirty="0"/>
+                    </a:p>
+                  </a:txBody>
+                  <a:tcPr anchor="ctr"/>
+                </a:tc>
+                <a:tc>
+                  <a:txBody>
+                    <a:bodyPr/>
+                    <a:lstStyle/>
+                    <a:p>
+                      <a:pPr algn="ctr"/>
+                      <a:endParaRPr lang="zh-CN" altLang="en-US" sz="1800" dirty="0"/>
+                    </a:p>
+                  </a:txBody>
+                  <a:tcPr anchor="ctr"/>
+                </a:tc>
+                <a:tc>
+                  <a:txBody>
+                    <a:bodyPr/>
+                    <a:lstStyle/>
+                    <a:p>
+                      <a:pPr algn="ctr"/>
+                      <a:endParaRPr lang="zh-CN" altLang="en-US" sz="1800" dirty="0"/>
+                    </a:p>
+                  </a:txBody>
+                  <a:tcPr anchor="ctr"/>
+                </a:tc>
+                <a:tc>
+                  <a:txBody>
+                    <a:bodyPr/>
+                    <a:lstStyle/>
+                    <a:p>
+                      <a:pPr algn="ctr"/>
+                      <a:endParaRPr lang="zh-CN" altLang="en-US" sz="1800" dirty="0"/>
+                    </a:p>
+                  </a:txBody>
+                  <a:tcPr anchor="ctr"/>
+                </a:tc>
+                <a:tc>
+                  <a:txBody>
+                    <a:bodyPr/>
+                    <a:lstStyle/>
+                    <a:p>
+                      <a:pPr algn="ctr"/>
+                      <a:endParaRPr lang="zh-CN" altLang="en-US" sz="1800" dirty="0"/>
                     </a:p>
                   </a:txBody>
                   <a:tcPr anchor="ctr"/>
                 </a:tc>
               </a:tr>
-              <a:tr h="370840">
+              <a:tr h="351731">
                 <a:tc rowSpan="3">
                   <a:txBody>
                     <a:bodyPr/>
@@ -3469,10 +3469,10 @@
                     <a:p>
                       <a:pPr algn="ctr"/>
                       <a:r>
-                        <a:rPr lang="en-US" altLang="zh-CN" dirty="0" smtClean="0"/>
+                        <a:rPr lang="en-US" altLang="zh-CN" sz="1800" dirty="0" smtClean="0"/>
                         <a:t>Task</a:t>
                       </a:r>
-                      <a:endParaRPr lang="zh-CN" altLang="en-US" dirty="0"/>
+                      <a:endParaRPr lang="zh-CN" altLang="en-US" sz="1800" dirty="0"/>
                     </a:p>
                   </a:txBody>
                   <a:tcPr anchor="ctr"/>
@@ -3484,9 +3484,66 @@
                     <a:p>
                       <a:pPr algn="ctr"/>
                       <a:r>
-                        <a:rPr lang="en-US" altLang="zh-CN" dirty="0" smtClean="0"/>
+                        <a:rPr lang="en-US" altLang="zh-CN" sz="1800" dirty="0" smtClean="0"/>
                         <a:t>Parent-Child</a:t>
                       </a:r>
+                      <a:endParaRPr lang="zh-CN" altLang="en-US" sz="1800" dirty="0"/>
+                    </a:p>
+                  </a:txBody>
+                  <a:tcPr anchor="ctr"/>
+                </a:tc>
+                <a:tc>
+                  <a:txBody>
+                    <a:bodyPr/>
+                    <a:lstStyle/>
+                    <a:p>
+                      <a:pPr algn="ctr"/>
+                      <a:endParaRPr lang="zh-CN" altLang="en-US" sz="1800" dirty="0"/>
+                    </a:p>
+                  </a:txBody>
+                  <a:tcPr anchor="ctr"/>
+                </a:tc>
+                <a:tc>
+                  <a:txBody>
+                    <a:bodyPr/>
+                    <a:lstStyle/>
+                    <a:p>
+                      <a:pPr algn="ctr"/>
+                      <a:endParaRPr lang="zh-CN" altLang="en-US" sz="1800" dirty="0"/>
+                    </a:p>
+                  </a:txBody>
+                  <a:tcPr anchor="ctr"/>
+                </a:tc>
+                <a:tc>
+                  <a:txBody>
+                    <a:bodyPr/>
+                    <a:lstStyle/>
+                    <a:p>
+                      <a:pPr algn="ctr"/>
+                      <a:endParaRPr lang="zh-CN" altLang="en-US" sz="1800" dirty="0"/>
+                    </a:p>
+                  </a:txBody>
+                  <a:tcPr anchor="ctr"/>
+                </a:tc>
+                <a:tc>
+                  <a:txBody>
+                    <a:bodyPr/>
+                    <a:lstStyle/>
+                    <a:p>
+                      <a:pPr algn="ctr"/>
+                      <a:endParaRPr lang="zh-CN" altLang="en-US" sz="1800" dirty="0"/>
+                    </a:p>
+                  </a:txBody>
+                  <a:tcPr anchor="ctr"/>
+                </a:tc>
+              </a:tr>
+              <a:tr h="351731">
+                <a:tc vMerge="1">
+                  <a:txBody>
+                    <a:bodyPr/>
+                    <a:lstStyle/>
+                    <a:p>
+                      <a:pPr algn="ctr"/>
                       <a:endParaRPr lang="zh-CN" altLang="en-US" dirty="0"/>
                     </a:p>
                   </a:txBody>
@@ -3498,67 +3555,67 @@
                     <a:lstStyle/>
                     <a:p>
                       <a:pPr algn="ctr"/>
-                      <a:endParaRPr lang="zh-CN" altLang="en-US" dirty="0"/>
-                    </a:p>
-                  </a:txBody>
-                  <a:tcPr anchor="ctr"/>
-                </a:tc>
-                <a:tc>
-                  <a:txBody>
-                    <a:bodyPr/>
-                    <a:lstStyle/>
-                    <a:p>
-                      <a:pPr algn="ctr"/>
-                      <a:endParaRPr lang="zh-CN" altLang="en-US" dirty="0"/>
-                    </a:p>
-                  </a:txBody>
-                  <a:tcPr anchor="ctr"/>
-                </a:tc>
-                <a:tc>
-                  <a:txBody>
-                    <a:bodyPr/>
-                    <a:lstStyle/>
-                    <a:p>
-                      <a:pPr algn="ctr"/>
-                      <a:endParaRPr lang="zh-CN" altLang="en-US" dirty="0"/>
-                    </a:p>
-                  </a:txBody>
-                  <a:tcPr anchor="ctr"/>
-                </a:tc>
-                <a:tc>
-                  <a:txBody>
-                    <a:bodyPr/>
-                    <a:lstStyle/>
-                    <a:p>
-                      <a:pPr algn="ctr"/>
-                      <a:endParaRPr lang="zh-CN" altLang="en-US" dirty="0"/>
-                    </a:p>
-                  </a:txBody>
-                  <a:tcPr anchor="ctr"/>
-                </a:tc>
-              </a:tr>
-              <a:tr h="370840">
-                <a:tc vMerge="1">
-                  <a:txBody>
-                    <a:bodyPr/>
-                    <a:lstStyle/>
-                    <a:p>
-                      <a:pPr algn="ctr"/>
-                      <a:endParaRPr lang="zh-CN" altLang="en-US" dirty="0"/>
-                    </a:p>
-                  </a:txBody>
-                  <a:tcPr anchor="ctr"/>
-                </a:tc>
-                <a:tc>
-                  <a:txBody>
-                    <a:bodyPr/>
-                    <a:lstStyle/>
-                    <a:p>
-                      <a:pPr algn="ctr"/>
                       <a:r>
-                        <a:rPr lang="en-US" altLang="zh-CN" dirty="0" smtClean="0"/>
+                        <a:rPr lang="en-US" altLang="zh-CN" sz="1800" dirty="0" smtClean="0"/>
                         <a:t>Brother</a:t>
                       </a:r>
+                      <a:endParaRPr lang="zh-CN" altLang="en-US" sz="1800" dirty="0"/>
+                    </a:p>
+                  </a:txBody>
+                  <a:tcPr anchor="ctr"/>
+                </a:tc>
+                <a:tc>
+                  <a:txBody>
+                    <a:bodyPr/>
+                    <a:lstStyle/>
+                    <a:p>
+                      <a:pPr algn="ctr"/>
+                      <a:endParaRPr lang="zh-CN" altLang="en-US" sz="1800" dirty="0"/>
+                    </a:p>
+                  </a:txBody>
+                  <a:tcPr anchor="ctr"/>
+                </a:tc>
+                <a:tc>
+                  <a:txBody>
+                    <a:bodyPr/>
+                    <a:lstStyle/>
+                    <a:p>
+                      <a:pPr algn="ctr"/>
+                      <a:endParaRPr lang="zh-CN" altLang="en-US" sz="1800" dirty="0"/>
+                    </a:p>
+                  </a:txBody>
+                  <a:tcPr anchor="ctr"/>
+                </a:tc>
+                <a:tc>
+                  <a:txBody>
+                    <a:bodyPr/>
+                    <a:lstStyle/>
+                    <a:p>
+                      <a:pPr algn="ctr"/>
+                      <a:endParaRPr lang="zh-CN" altLang="en-US" sz="1800" dirty="0"/>
+                    </a:p>
+                  </a:txBody>
+                  <a:tcPr anchor="ctr"/>
+                </a:tc>
+                <a:tc>
+                  <a:txBody>
+                    <a:bodyPr/>
+                    <a:lstStyle/>
+                    <a:p>
+                      <a:pPr algn="ctr"/>
+                      <a:endParaRPr lang="zh-CN" altLang="en-US" sz="1800" dirty="0"/>
+                    </a:p>
+                  </a:txBody>
+                  <a:tcPr anchor="ctr"/>
+                </a:tc>
+              </a:tr>
+              <a:tr h="546563">
+                <a:tc vMerge="1">
+                  <a:txBody>
+                    <a:bodyPr/>
+                    <a:lstStyle/>
+                    <a:p>
+                      <a:pPr algn="ctr"/>
                       <a:endParaRPr lang="zh-CN" altLang="en-US" dirty="0"/>
                     </a:p>
                   </a:txBody>
@@ -3570,118 +3627,61 @@
                     <a:lstStyle/>
                     <a:p>
                       <a:pPr algn="ctr"/>
-                      <a:endParaRPr lang="zh-CN" altLang="en-US" dirty="0"/>
-                    </a:p>
-                  </a:txBody>
-                  <a:tcPr anchor="ctr"/>
-                </a:tc>
-                <a:tc>
-                  <a:txBody>
-                    <a:bodyPr/>
-                    <a:lstStyle/>
-                    <a:p>
-                      <a:pPr algn="ctr"/>
-                      <a:endParaRPr lang="zh-CN" altLang="en-US" dirty="0"/>
-                    </a:p>
-                  </a:txBody>
-                  <a:tcPr anchor="ctr"/>
-                </a:tc>
-                <a:tc>
-                  <a:txBody>
-                    <a:bodyPr/>
-                    <a:lstStyle/>
-                    <a:p>
-                      <a:pPr algn="ctr"/>
-                      <a:endParaRPr lang="zh-CN" altLang="en-US" dirty="0"/>
-                    </a:p>
-                  </a:txBody>
-                  <a:tcPr anchor="ctr"/>
-                </a:tc>
-                <a:tc>
-                  <a:txBody>
-                    <a:bodyPr/>
-                    <a:lstStyle/>
-                    <a:p>
-                      <a:pPr algn="ctr"/>
-                      <a:endParaRPr lang="zh-CN" altLang="en-US" dirty="0"/>
-                    </a:p>
-                  </a:txBody>
-                  <a:tcPr anchor="ctr"/>
-                </a:tc>
-              </a:tr>
-              <a:tr h="370840">
-                <a:tc vMerge="1">
-                  <a:txBody>
-                    <a:bodyPr/>
-                    <a:lstStyle/>
-                    <a:p>
-                      <a:pPr algn="ctr"/>
-                      <a:endParaRPr lang="zh-CN" altLang="en-US" dirty="0"/>
-                    </a:p>
-                  </a:txBody>
-                  <a:tcPr anchor="ctr"/>
-                </a:tc>
-                <a:tc>
-                  <a:txBody>
-                    <a:bodyPr/>
-                    <a:lstStyle/>
-                    <a:p>
-                      <a:pPr algn="ctr"/>
                       <a:r>
-                        <a:rPr lang="zh-CN" altLang="en-US" dirty="0" smtClean="0"/>
+                        <a:rPr lang="zh-CN" altLang="en-US" sz="1800" dirty="0" smtClean="0"/>
                         <a:t>其他（正在尝试）</a:t>
                       </a:r>
-                      <a:endParaRPr lang="zh-CN" altLang="en-US" dirty="0"/>
-                    </a:p>
-                  </a:txBody>
-                  <a:tcPr anchor="ctr"/>
-                </a:tc>
-                <a:tc>
-                  <a:txBody>
-                    <a:bodyPr/>
-                    <a:lstStyle/>
-                    <a:p>
-                      <a:pPr algn="ctr"/>
-                      <a:endParaRPr lang="zh-CN" altLang="en-US" dirty="0"/>
-                    </a:p>
-                  </a:txBody>
-                  <a:tcPr anchor="ctr"/>
-                </a:tc>
-                <a:tc>
-                  <a:txBody>
-                    <a:bodyPr/>
-                    <a:lstStyle/>
-                    <a:p>
-                      <a:pPr algn="ctr"/>
-                      <a:endParaRPr lang="zh-CN" altLang="en-US" dirty="0"/>
-                    </a:p>
-                  </a:txBody>
-                  <a:tcPr anchor="ctr"/>
-                </a:tc>
-                <a:tc>
-                  <a:txBody>
-                    <a:bodyPr/>
-                    <a:lstStyle/>
-                    <a:p>
-                      <a:pPr algn="ctr"/>
-                      <a:endParaRPr lang="zh-CN" altLang="en-US" dirty="0"/>
-                    </a:p>
-                  </a:txBody>
-                  <a:tcPr anchor="ctr"/>
-                </a:tc>
-                <a:tc>
-                  <a:txBody>
-                    <a:bodyPr/>
-                    <a:lstStyle/>
-                    <a:p>
-                      <a:pPr algn="ctr"/>
-                      <a:endParaRPr lang="zh-CN" altLang="en-US" dirty="0"/>
+                      <a:endParaRPr lang="zh-CN" altLang="en-US" sz="1800" dirty="0"/>
+                    </a:p>
+                  </a:txBody>
+                  <a:tcPr anchor="ctr"/>
+                </a:tc>
+                <a:tc>
+                  <a:txBody>
+                    <a:bodyPr/>
+                    <a:lstStyle/>
+                    <a:p>
+                      <a:pPr algn="ctr"/>
+                      <a:endParaRPr lang="zh-CN" altLang="en-US" sz="1800" dirty="0"/>
+                    </a:p>
+                  </a:txBody>
+                  <a:tcPr anchor="ctr"/>
+                </a:tc>
+                <a:tc>
+                  <a:txBody>
+                    <a:bodyPr/>
+                    <a:lstStyle/>
+                    <a:p>
+                      <a:pPr algn="ctr"/>
+                      <a:endParaRPr lang="zh-CN" altLang="en-US" sz="1800" dirty="0"/>
+                    </a:p>
+                  </a:txBody>
+                  <a:tcPr anchor="ctr"/>
+                </a:tc>
+                <a:tc>
+                  <a:txBody>
+                    <a:bodyPr/>
+                    <a:lstStyle/>
+                    <a:p>
+                      <a:pPr algn="ctr"/>
+                      <a:endParaRPr lang="zh-CN" altLang="en-US" sz="1800" dirty="0"/>
+                    </a:p>
+                  </a:txBody>
+                  <a:tcPr anchor="ctr"/>
+                </a:tc>
+                <a:tc>
+                  <a:txBody>
+                    <a:bodyPr/>
+                    <a:lstStyle/>
+                    <a:p>
+                      <a:pPr algn="ctr"/>
+                      <a:endParaRPr lang="zh-CN" altLang="en-US" sz="1800" dirty="0"/>
                     </a:p>
                   </a:txBody>
                   <a:tcPr anchor="ctr"/>
                 </a:tc>
               </a:tr>
-              <a:tr h="370840">
+              <a:tr h="351731">
                 <a:tc rowSpan="3">
                   <a:txBody>
                     <a:bodyPr/>
@@ -3689,22 +3689,37 @@
                     <a:p>
                       <a:pPr algn="ctr"/>
                       <a:r>
-                        <a:rPr lang="en-US" altLang="zh-CN" dirty="0" smtClean="0"/>
+                        <a:rPr lang="en-US" altLang="zh-CN" sz="1800" dirty="0" smtClean="0"/>
                         <a:t>Node</a:t>
                       </a:r>
                       <a:r>
-                        <a:rPr lang="en-US" altLang="zh-CN" baseline="0" dirty="0" smtClean="0"/>
-                        <a:t> Encoder (layer </a:t>
+                        <a:rPr lang="en-US" altLang="zh-CN" sz="1800" baseline="0" dirty="0" smtClean="0"/>
+                        <a:t> </a:t>
                       </a:r>
                       <a:r>
-                        <a:rPr lang="en-US" altLang="zh-CN" baseline="0" dirty="0" err="1" smtClean="0"/>
+                        <a:rPr lang="en-US" altLang="zh-CN" sz="1800" baseline="0" dirty="0" smtClean="0"/>
+                        <a:t>Encoder</a:t>
+                      </a:r>
+                    </a:p>
+                    <a:p>
+                      <a:pPr algn="ctr"/>
+                      <a:r>
+                        <a:rPr lang="en-US" altLang="zh-CN" sz="1800" baseline="0" dirty="0" smtClean="0"/>
+                        <a:t> </a:t>
+                      </a:r>
+                      <a:r>
+                        <a:rPr lang="en-US" altLang="zh-CN" sz="1800" baseline="0" dirty="0" smtClean="0"/>
+                        <a:t>(layer </a:t>
+                      </a:r>
+                      <a:r>
+                        <a:rPr lang="en-US" altLang="zh-CN" sz="1800" baseline="0" dirty="0" err="1" smtClean="0"/>
                         <a:t>num</a:t>
                       </a:r>
                       <a:r>
-                        <a:rPr lang="en-US" altLang="zh-CN" baseline="0" dirty="0" smtClean="0"/>
+                        <a:rPr lang="en-US" altLang="zh-CN" sz="1800" baseline="0" dirty="0" smtClean="0"/>
                         <a:t>)</a:t>
                       </a:r>
-                      <a:endParaRPr lang="zh-CN" altLang="en-US" dirty="0"/>
+                      <a:endParaRPr lang="zh-CN" altLang="en-US" sz="1800" dirty="0"/>
                     </a:p>
                   </a:txBody>
                   <a:tcPr anchor="ctr"/>
@@ -3716,69 +3731,69 @@
                     <a:p>
                       <a:pPr algn="ctr"/>
                       <a:r>
-                        <a:rPr lang="en-US" altLang="zh-CN" dirty="0" smtClean="0"/>
+                        <a:rPr lang="en-US" altLang="zh-CN" sz="1800" dirty="0" smtClean="0"/>
                         <a:t>K=1</a:t>
                       </a:r>
+                      <a:endParaRPr lang="zh-CN" altLang="en-US" sz="1800" dirty="0"/>
+                    </a:p>
+                  </a:txBody>
+                  <a:tcPr anchor="ctr"/>
+                </a:tc>
+                <a:tc>
+                  <a:txBody>
+                    <a:bodyPr/>
+                    <a:lstStyle/>
+                    <a:p>
+                      <a:pPr algn="ctr"/>
+                      <a:endParaRPr lang="zh-CN" altLang="en-US" sz="1800" dirty="0"/>
+                    </a:p>
+                  </a:txBody>
+                  <a:tcPr anchor="ctr"/>
+                </a:tc>
+                <a:tc>
+                  <a:txBody>
+                    <a:bodyPr/>
+                    <a:lstStyle/>
+                    <a:p>
+                      <a:pPr algn="ctr"/>
+                      <a:endParaRPr lang="zh-CN" altLang="en-US" sz="1800" dirty="0"/>
+                    </a:p>
+                  </a:txBody>
+                  <a:tcPr anchor="ctr"/>
+                </a:tc>
+                <a:tc>
+                  <a:txBody>
+                    <a:bodyPr/>
+                    <a:lstStyle/>
+                    <a:p>
+                      <a:pPr algn="ctr"/>
+                      <a:endParaRPr lang="zh-CN" altLang="en-US" sz="1800" dirty="0"/>
+                    </a:p>
+                  </a:txBody>
+                  <a:tcPr anchor="ctr"/>
+                </a:tc>
+                <a:tc>
+                  <a:txBody>
+                    <a:bodyPr/>
+                    <a:lstStyle/>
+                    <a:p>
+                      <a:pPr algn="ctr"/>
+                      <a:endParaRPr lang="zh-CN" altLang="en-US" sz="1800" dirty="0"/>
+                    </a:p>
+                  </a:txBody>
+                  <a:tcPr anchor="ctr"/>
+                </a:tc>
+              </a:tr>
+              <a:tr h="351731">
+                <a:tc vMerge="1">
+                  <a:txBody>
+                    <a:bodyPr/>
+                    <a:lstStyle/>
+                    <a:p>
+                      <a:pPr algn="ctr"/>
                       <a:endParaRPr lang="zh-CN" altLang="en-US" dirty="0"/>
                     </a:p>
                   </a:txBody>
-                  <a:tcPr anchor="ctr"/>
-                </a:tc>
-                <a:tc>
-                  <a:txBody>
-                    <a:bodyPr/>
-                    <a:lstStyle/>
-                    <a:p>
-                      <a:pPr algn="ctr"/>
-                      <a:endParaRPr lang="zh-CN" altLang="en-US" dirty="0"/>
-                    </a:p>
-                  </a:txBody>
-                  <a:tcPr anchor="ctr"/>
-                </a:tc>
-                <a:tc>
-                  <a:txBody>
-                    <a:bodyPr/>
-                    <a:lstStyle/>
-                    <a:p>
-                      <a:pPr algn="ctr"/>
-                      <a:endParaRPr lang="zh-CN" altLang="en-US" dirty="0"/>
-                    </a:p>
-                  </a:txBody>
-                  <a:tcPr anchor="ctr"/>
-                </a:tc>
-                <a:tc>
-                  <a:txBody>
-                    <a:bodyPr/>
-                    <a:lstStyle/>
-                    <a:p>
-                      <a:pPr algn="ctr"/>
-                      <a:endParaRPr lang="zh-CN" altLang="en-US" dirty="0"/>
-                    </a:p>
-                  </a:txBody>
-                  <a:tcPr anchor="ctr"/>
-                </a:tc>
-                <a:tc>
-                  <a:txBody>
-                    <a:bodyPr/>
-                    <a:lstStyle/>
-                    <a:p>
-                      <a:pPr algn="ctr"/>
-                      <a:endParaRPr lang="zh-CN" altLang="en-US" dirty="0"/>
-                    </a:p>
-                  </a:txBody>
-                  <a:tcPr anchor="ctr"/>
-                </a:tc>
-              </a:tr>
-              <a:tr h="370840">
-                <a:tc vMerge="1">
-                  <a:txBody>
-                    <a:bodyPr/>
-                    <a:lstStyle/>
-                    <a:p>
-                      <a:pPr algn="ctr"/>
-                      <a:endParaRPr lang="zh-CN" altLang="en-US" dirty="0"/>
-                    </a:p>
-                  </a:txBody>
                   <a:tcPr/>
                 </a:tc>
                 <a:tc>
@@ -3788,9 +3803,66 @@
                     <a:p>
                       <a:pPr algn="ctr"/>
                       <a:r>
-                        <a:rPr lang="en-US" altLang="zh-CN" dirty="0" smtClean="0"/>
+                        <a:rPr lang="en-US" altLang="zh-CN" sz="1800" dirty="0" smtClean="0"/>
                         <a:t>K=2</a:t>
                       </a:r>
+                      <a:endParaRPr lang="zh-CN" altLang="en-US" sz="1800" dirty="0"/>
+                    </a:p>
+                  </a:txBody>
+                  <a:tcPr anchor="ctr"/>
+                </a:tc>
+                <a:tc>
+                  <a:txBody>
+                    <a:bodyPr/>
+                    <a:lstStyle/>
+                    <a:p>
+                      <a:pPr algn="ctr"/>
+                      <a:endParaRPr lang="zh-CN" altLang="en-US" sz="1800" dirty="0"/>
+                    </a:p>
+                  </a:txBody>
+                  <a:tcPr anchor="ctr"/>
+                </a:tc>
+                <a:tc>
+                  <a:txBody>
+                    <a:bodyPr/>
+                    <a:lstStyle/>
+                    <a:p>
+                      <a:pPr algn="ctr"/>
+                      <a:endParaRPr lang="zh-CN" altLang="en-US" sz="1800" dirty="0"/>
+                    </a:p>
+                  </a:txBody>
+                  <a:tcPr anchor="ctr"/>
+                </a:tc>
+                <a:tc>
+                  <a:txBody>
+                    <a:bodyPr/>
+                    <a:lstStyle/>
+                    <a:p>
+                      <a:pPr algn="ctr"/>
+                      <a:endParaRPr lang="zh-CN" altLang="en-US" sz="1800" dirty="0"/>
+                    </a:p>
+                  </a:txBody>
+                  <a:tcPr anchor="ctr"/>
+                </a:tc>
+                <a:tc>
+                  <a:txBody>
+                    <a:bodyPr/>
+                    <a:lstStyle/>
+                    <a:p>
+                      <a:pPr algn="ctr"/>
+                      <a:endParaRPr lang="zh-CN" altLang="en-US" sz="1800" dirty="0"/>
+                    </a:p>
+                  </a:txBody>
+                  <a:tcPr anchor="ctr"/>
+                </a:tc>
+              </a:tr>
+              <a:tr h="351731">
+                <a:tc vMerge="1">
+                  <a:txBody>
+                    <a:bodyPr/>
+                    <a:lstStyle/>
+                    <a:p>
+                      <a:pPr algn="ctr"/>
                       <a:endParaRPr lang="zh-CN" altLang="en-US" dirty="0"/>
                     </a:p>
                   </a:txBody>
@@ -3802,118 +3874,61 @@
                     <a:lstStyle/>
                     <a:p>
                       <a:pPr algn="ctr"/>
-                      <a:endParaRPr lang="zh-CN" altLang="en-US" dirty="0"/>
-                    </a:p>
-                  </a:txBody>
-                  <a:tcPr anchor="ctr"/>
-                </a:tc>
-                <a:tc>
-                  <a:txBody>
-                    <a:bodyPr/>
-                    <a:lstStyle/>
-                    <a:p>
-                      <a:pPr algn="ctr"/>
-                      <a:endParaRPr lang="zh-CN" altLang="en-US" dirty="0"/>
-                    </a:p>
-                  </a:txBody>
-                  <a:tcPr anchor="ctr"/>
-                </a:tc>
-                <a:tc>
-                  <a:txBody>
-                    <a:bodyPr/>
-                    <a:lstStyle/>
-                    <a:p>
-                      <a:pPr algn="ctr"/>
-                      <a:endParaRPr lang="zh-CN" altLang="en-US" dirty="0"/>
-                    </a:p>
-                  </a:txBody>
-                  <a:tcPr anchor="ctr"/>
-                </a:tc>
-                <a:tc>
-                  <a:txBody>
-                    <a:bodyPr/>
-                    <a:lstStyle/>
-                    <a:p>
-                      <a:pPr algn="ctr"/>
-                      <a:endParaRPr lang="zh-CN" altLang="en-US" dirty="0"/>
-                    </a:p>
-                  </a:txBody>
-                  <a:tcPr anchor="ctr"/>
-                </a:tc>
-              </a:tr>
-              <a:tr h="370840">
-                <a:tc vMerge="1">
-                  <a:txBody>
-                    <a:bodyPr/>
-                    <a:lstStyle/>
-                    <a:p>
-                      <a:pPr algn="ctr"/>
-                      <a:endParaRPr lang="zh-CN" altLang="en-US" dirty="0"/>
-                    </a:p>
-                  </a:txBody>
-                  <a:tcPr anchor="ctr"/>
-                </a:tc>
-                <a:tc>
-                  <a:txBody>
-                    <a:bodyPr/>
-                    <a:lstStyle/>
-                    <a:p>
-                      <a:pPr algn="ctr"/>
                       <a:r>
-                        <a:rPr lang="en-US" altLang="zh-CN" dirty="0" smtClean="0"/>
+                        <a:rPr lang="en-US" altLang="zh-CN" sz="1800" dirty="0" smtClean="0"/>
                         <a:t>K=3</a:t>
                       </a:r>
-                      <a:endParaRPr lang="zh-CN" altLang="en-US" dirty="0"/>
-                    </a:p>
-                  </a:txBody>
-                  <a:tcPr anchor="ctr"/>
-                </a:tc>
-                <a:tc>
-                  <a:txBody>
-                    <a:bodyPr/>
-                    <a:lstStyle/>
-                    <a:p>
-                      <a:pPr algn="ctr"/>
-                      <a:endParaRPr lang="zh-CN" altLang="en-US" dirty="0"/>
-                    </a:p>
-                  </a:txBody>
-                  <a:tcPr anchor="ctr"/>
-                </a:tc>
-                <a:tc>
-                  <a:txBody>
-                    <a:bodyPr/>
-                    <a:lstStyle/>
-                    <a:p>
-                      <a:pPr algn="ctr"/>
-                      <a:endParaRPr lang="zh-CN" altLang="en-US" dirty="0"/>
-                    </a:p>
-                  </a:txBody>
-                  <a:tcPr anchor="ctr"/>
-                </a:tc>
-                <a:tc>
-                  <a:txBody>
-                    <a:bodyPr/>
-                    <a:lstStyle/>
-                    <a:p>
-                      <a:pPr algn="ctr"/>
-                      <a:endParaRPr lang="zh-CN" altLang="en-US" dirty="0"/>
-                    </a:p>
-                  </a:txBody>
-                  <a:tcPr anchor="ctr"/>
-                </a:tc>
-                <a:tc>
-                  <a:txBody>
-                    <a:bodyPr/>
-                    <a:lstStyle/>
-                    <a:p>
-                      <a:pPr algn="ctr"/>
-                      <a:endParaRPr lang="zh-CN" altLang="en-US" dirty="0"/>
+                      <a:endParaRPr lang="zh-CN" altLang="en-US" sz="1800" dirty="0"/>
+                    </a:p>
+                  </a:txBody>
+                  <a:tcPr anchor="ctr"/>
+                </a:tc>
+                <a:tc>
+                  <a:txBody>
+                    <a:bodyPr/>
+                    <a:lstStyle/>
+                    <a:p>
+                      <a:pPr algn="ctr"/>
+                      <a:endParaRPr lang="zh-CN" altLang="en-US" sz="1800" dirty="0"/>
+                    </a:p>
+                  </a:txBody>
+                  <a:tcPr anchor="ctr"/>
+                </a:tc>
+                <a:tc>
+                  <a:txBody>
+                    <a:bodyPr/>
+                    <a:lstStyle/>
+                    <a:p>
+                      <a:pPr algn="ctr"/>
+                      <a:endParaRPr lang="zh-CN" altLang="en-US" sz="1800" dirty="0"/>
+                    </a:p>
+                  </a:txBody>
+                  <a:tcPr anchor="ctr"/>
+                </a:tc>
+                <a:tc>
+                  <a:txBody>
+                    <a:bodyPr/>
+                    <a:lstStyle/>
+                    <a:p>
+                      <a:pPr algn="ctr"/>
+                      <a:endParaRPr lang="zh-CN" altLang="en-US" sz="1800" dirty="0"/>
+                    </a:p>
+                  </a:txBody>
+                  <a:tcPr anchor="ctr"/>
+                </a:tc>
+                <a:tc>
+                  <a:txBody>
+                    <a:bodyPr/>
+                    <a:lstStyle/>
+                    <a:p>
+                      <a:pPr algn="ctr"/>
+                      <a:endParaRPr lang="zh-CN" altLang="en-US" sz="1800" dirty="0"/>
                     </a:p>
                   </a:txBody>
                   <a:tcPr anchor="ctr"/>
                 </a:tc>
               </a:tr>
-              <a:tr h="370840">
+              <a:tr h="351731">
                 <a:tc rowSpan="2">
                   <a:txBody>
                     <a:bodyPr/>
@@ -3921,84 +3936,99 @@
                     <a:p>
                       <a:pPr algn="ctr"/>
                       <a:r>
-                        <a:rPr lang="en-US" altLang="zh-CN" dirty="0" smtClean="0"/>
-                        <a:t>Node Encoder(Parameter sharing)</a:t>
+                        <a:rPr lang="en-US" altLang="zh-CN" sz="1800" dirty="0" smtClean="0"/>
+                        <a:t>Node </a:t>
                       </a:r>
-                      <a:endParaRPr lang="zh-CN" altLang="en-US" dirty="0"/>
-                    </a:p>
-                  </a:txBody>
-                  <a:tcPr anchor="ctr"/>
-                </a:tc>
-                <a:tc>
-                  <a:txBody>
-                    <a:bodyPr/>
-                    <a:lstStyle/>
-                    <a:p>
-                      <a:pPr algn="ctr"/>
                       <a:r>
-                        <a:rPr lang="en-US" altLang="zh-CN" dirty="0" smtClean="0"/>
+                        <a:rPr lang="en-US" altLang="zh-CN" sz="1800" dirty="0" smtClean="0"/>
+                        <a:t>Encoder</a:t>
+                      </a:r>
+                    </a:p>
+                    <a:p>
+                      <a:pPr algn="ctr"/>
+                      <a:r>
+                        <a:rPr lang="en-US" altLang="zh-CN" sz="1800" dirty="0" smtClean="0"/>
+                        <a:t>(</a:t>
+                      </a:r>
+                      <a:r>
+                        <a:rPr lang="en-US" altLang="zh-CN" sz="1800" dirty="0" smtClean="0"/>
+                        <a:t>Parameter sharing)</a:t>
+                      </a:r>
+                      <a:endParaRPr lang="zh-CN" altLang="en-US" sz="1800" dirty="0"/>
+                    </a:p>
+                  </a:txBody>
+                  <a:tcPr anchor="ctr"/>
+                </a:tc>
+                <a:tc>
+                  <a:txBody>
+                    <a:bodyPr/>
+                    <a:lstStyle/>
+                    <a:p>
+                      <a:pPr algn="ctr"/>
+                      <a:r>
+                        <a:rPr lang="en-US" altLang="zh-CN" sz="1800" dirty="0" smtClean="0"/>
                         <a:t>Sharing</a:t>
                       </a:r>
+                      <a:endParaRPr lang="zh-CN" altLang="en-US" sz="1800" dirty="0"/>
+                    </a:p>
+                  </a:txBody>
+                  <a:tcPr anchor="ctr"/>
+                </a:tc>
+                <a:tc>
+                  <a:txBody>
+                    <a:bodyPr/>
+                    <a:lstStyle/>
+                    <a:p>
+                      <a:pPr algn="ctr"/>
+                      <a:endParaRPr lang="zh-CN" altLang="en-US" sz="1800" dirty="0"/>
+                    </a:p>
+                  </a:txBody>
+                  <a:tcPr anchor="ctr"/>
+                </a:tc>
+                <a:tc>
+                  <a:txBody>
+                    <a:bodyPr/>
+                    <a:lstStyle/>
+                    <a:p>
+                      <a:pPr algn="ctr"/>
+                      <a:endParaRPr lang="zh-CN" altLang="en-US" sz="1800" dirty="0"/>
+                    </a:p>
+                  </a:txBody>
+                  <a:tcPr anchor="ctr"/>
+                </a:tc>
+                <a:tc>
+                  <a:txBody>
+                    <a:bodyPr/>
+                    <a:lstStyle/>
+                    <a:p>
+                      <a:pPr algn="ctr"/>
+                      <a:endParaRPr lang="zh-CN" altLang="en-US" sz="1800" dirty="0"/>
+                    </a:p>
+                  </a:txBody>
+                  <a:tcPr anchor="ctr"/>
+                </a:tc>
+                <a:tc>
+                  <a:txBody>
+                    <a:bodyPr/>
+                    <a:lstStyle/>
+                    <a:p>
+                      <a:pPr algn="ctr"/>
+                      <a:endParaRPr lang="zh-CN" altLang="en-US" sz="1800" dirty="0"/>
+                    </a:p>
+                  </a:txBody>
+                  <a:tcPr anchor="ctr"/>
+                </a:tc>
+              </a:tr>
+              <a:tr h="702723">
+                <a:tc vMerge="1">
+                  <a:txBody>
+                    <a:bodyPr/>
+                    <a:lstStyle/>
+                    <a:p>
+                      <a:pPr algn="ctr"/>
                       <a:endParaRPr lang="zh-CN" altLang="en-US" dirty="0"/>
                     </a:p>
                   </a:txBody>
-                  <a:tcPr anchor="ctr"/>
-                </a:tc>
-                <a:tc>
-                  <a:txBody>
-                    <a:bodyPr/>
-                    <a:lstStyle/>
-                    <a:p>
-                      <a:pPr algn="ctr"/>
-                      <a:endParaRPr lang="zh-CN" altLang="en-US" dirty="0"/>
-                    </a:p>
-                  </a:txBody>
-                  <a:tcPr anchor="ctr"/>
-                </a:tc>
-                <a:tc>
-                  <a:txBody>
-                    <a:bodyPr/>
-                    <a:lstStyle/>
-                    <a:p>
-                      <a:pPr algn="ctr"/>
-                      <a:endParaRPr lang="zh-CN" altLang="en-US" dirty="0"/>
-                    </a:p>
-                  </a:txBody>
-                  <a:tcPr anchor="ctr"/>
-                </a:tc>
-                <a:tc>
-                  <a:txBody>
-                    <a:bodyPr/>
-                    <a:lstStyle/>
-                    <a:p>
-                      <a:pPr algn="ctr"/>
-                      <a:endParaRPr lang="zh-CN" altLang="en-US" dirty="0"/>
-                    </a:p>
-                  </a:txBody>
-                  <a:tcPr anchor="ctr"/>
-                </a:tc>
-                <a:tc>
-                  <a:txBody>
-                    <a:bodyPr/>
-                    <a:lstStyle/>
-                    <a:p>
-                      <a:pPr algn="ctr"/>
-                      <a:endParaRPr lang="zh-CN" altLang="en-US" dirty="0"/>
-                    </a:p>
-                  </a:txBody>
-                  <a:tcPr anchor="ctr"/>
-                </a:tc>
-              </a:tr>
-              <a:tr h="522406">
-                <a:tc vMerge="1">
-                  <a:txBody>
-                    <a:bodyPr/>
-                    <a:lstStyle/>
-                    <a:p>
-                      <a:pPr algn="ctr"/>
-                      <a:endParaRPr lang="zh-CN" altLang="en-US" dirty="0"/>
-                    </a:p>
-                  </a:txBody>
                   <a:tcPr/>
                 </a:tc>
                 <a:tc>
@@ -4008,43 +4038,43 @@
                     <a:p>
                       <a:pPr algn="ctr"/>
                       <a:r>
-                        <a:rPr lang="en-US" altLang="zh-CN" dirty="0" smtClean="0"/>
+                        <a:rPr lang="en-US" altLang="zh-CN" sz="1800" dirty="0" smtClean="0"/>
                         <a:t>Not Sharing</a:t>
                       </a:r>
-                      <a:endParaRPr lang="zh-CN" altLang="en-US" dirty="0"/>
-                    </a:p>
-                  </a:txBody>
-                  <a:tcPr anchor="ctr"/>
-                </a:tc>
-                <a:tc>
-                  <a:txBody>
-                    <a:bodyPr/>
-                    <a:lstStyle/>
-                    <a:p>
-                      <a:pPr algn="ctr"/>
-                      <a:endParaRPr lang="zh-CN" altLang="en-US" dirty="0"/>
-                    </a:p>
-                  </a:txBody>
-                  <a:tcPr anchor="ctr"/>
-                </a:tc>
-                <a:tc>
-                  <a:txBody>
-                    <a:bodyPr/>
-                    <a:lstStyle/>
-                    <a:p>
-                      <a:pPr algn="ctr"/>
-                      <a:endParaRPr lang="zh-CN" altLang="en-US" dirty="0"/>
-                    </a:p>
-                  </a:txBody>
-                  <a:tcPr anchor="ctr"/>
-                </a:tc>
-                <a:tc>
-                  <a:txBody>
-                    <a:bodyPr/>
-                    <a:lstStyle/>
-                    <a:p>
-                      <a:pPr algn="ctr"/>
-                      <a:endParaRPr lang="zh-CN" altLang="en-US" dirty="0"/>
+                      <a:endParaRPr lang="zh-CN" altLang="en-US" sz="1800" dirty="0"/>
+                    </a:p>
+                  </a:txBody>
+                  <a:tcPr anchor="ctr"/>
+                </a:tc>
+                <a:tc>
+                  <a:txBody>
+                    <a:bodyPr/>
+                    <a:lstStyle/>
+                    <a:p>
+                      <a:pPr algn="ctr"/>
+                      <a:endParaRPr lang="zh-CN" altLang="en-US" sz="1800" dirty="0"/>
+                    </a:p>
+                  </a:txBody>
+                  <a:tcPr anchor="ctr"/>
+                </a:tc>
+                <a:tc>
+                  <a:txBody>
+                    <a:bodyPr/>
+                    <a:lstStyle/>
+                    <a:p>
+                      <a:pPr algn="ctr"/>
+                      <a:endParaRPr lang="zh-CN" altLang="en-US" sz="1800" dirty="0"/>
+                    </a:p>
+                  </a:txBody>
+                  <a:tcPr anchor="ctr"/>
+                </a:tc>
+                <a:tc>
+                  <a:txBody>
+                    <a:bodyPr/>
+                    <a:lstStyle/>
+                    <a:p>
+                      <a:pPr algn="ctr"/>
+                      <a:endParaRPr lang="zh-CN" altLang="en-US" sz="1800" dirty="0"/>
                     </a:p>
                   </a:txBody>
                   <a:tcPr anchor="ctr">
@@ -4059,7 +4089,7 @@
                     <a:lstStyle/>
                     <a:p>
                       <a:pPr algn="ctr"/>
-                      <a:endParaRPr lang="zh-CN" altLang="en-US" dirty="0"/>
+                      <a:endParaRPr lang="zh-CN" altLang="en-US" sz="1800" dirty="0"/>
                     </a:p>
                   </a:txBody>
                   <a:tcPr anchor="ctr">
@@ -4069,7 +4099,7 @@
                   </a:tcPr>
                 </a:tc>
               </a:tr>
-              <a:tr h="522406">
+              <a:tr h="615529">
                 <a:tc>
                   <a:txBody>
                     <a:bodyPr/>
@@ -4077,10 +4107,10 @@
                     <a:p>
                       <a:pPr algn="ctr"/>
                       <a:r>
-                        <a:rPr lang="en-US" altLang="zh-CN" dirty="0" smtClean="0"/>
+                        <a:rPr lang="en-US" altLang="zh-CN" sz="1800" dirty="0" smtClean="0"/>
                         <a:t>Auxiliary experiment</a:t>
                       </a:r>
-                      <a:endParaRPr lang="zh-CN" altLang="en-US" dirty="0"/>
+                      <a:endParaRPr lang="zh-CN" altLang="en-US" sz="1800" dirty="0"/>
                     </a:p>
                   </a:txBody>
                   <a:tcPr anchor="ctr"/>
@@ -4092,36 +4122,44 @@
                     <a:p>
                       <a:pPr algn="ctr"/>
                       <a:r>
-                        <a:rPr lang="en-US" altLang="zh-CN" dirty="0" smtClean="0"/>
-                        <a:t>MS-Marco HTML</a:t>
+                        <a:rPr lang="en-US" altLang="zh-CN" sz="1800" dirty="0" smtClean="0"/>
+                        <a:t>MS-Marco </a:t>
+                      </a:r>
+                      <a:endParaRPr lang="en-US" altLang="zh-CN" sz="1800" dirty="0" smtClean="0"/>
+                    </a:p>
+                    <a:p>
+                      <a:pPr algn="ctr"/>
+                      <a:r>
+                        <a:rPr lang="en-US" altLang="zh-CN" sz="1800" dirty="0" smtClean="0"/>
+                        <a:t>HTML</a:t>
                       </a:r>
                       <a:r>
-                        <a:rPr lang="zh-CN" altLang="en-US" dirty="0" smtClean="0"/>
+                        <a:rPr lang="zh-CN" altLang="en-US" sz="1800" dirty="0" smtClean="0"/>
                         <a:t>数据集</a:t>
                       </a:r>
-                      <a:endParaRPr lang="zh-CN" altLang="en-US" dirty="0"/>
-                    </a:p>
-                  </a:txBody>
-                  <a:tcPr anchor="ctr"/>
-                </a:tc>
-                <a:tc>
-                  <a:txBody>
-                    <a:bodyPr/>
-                    <a:lstStyle/>
-                    <a:p>
-                      <a:pPr algn="ctr"/>
-                      <a:endParaRPr lang="zh-CN" altLang="en-US" dirty="0"/>
-                    </a:p>
-                  </a:txBody>
-                  <a:tcPr anchor="ctr"/>
-                </a:tc>
-                <a:tc>
-                  <a:txBody>
-                    <a:bodyPr/>
-                    <a:lstStyle/>
-                    <a:p>
-                      <a:pPr algn="ctr"/>
-                      <a:endParaRPr lang="zh-CN" altLang="en-US" dirty="0"/>
+                      <a:endParaRPr lang="zh-CN" altLang="en-US" sz="1800" dirty="0"/>
+                    </a:p>
+                  </a:txBody>
+                  <a:tcPr anchor="ctr"/>
+                </a:tc>
+                <a:tc>
+                  <a:txBody>
+                    <a:bodyPr/>
+                    <a:lstStyle/>
+                    <a:p>
+                      <a:pPr algn="ctr"/>
+                      <a:endParaRPr lang="zh-CN" altLang="en-US" sz="1800" dirty="0"/>
+                    </a:p>
+                  </a:txBody>
+                  <a:tcPr anchor="ctr"/>
+                </a:tc>
+                <a:tc>
+                  <a:txBody>
+                    <a:bodyPr/>
+                    <a:lstStyle/>
+                    <a:p>
+                      <a:pPr algn="ctr"/>
+                      <a:endParaRPr lang="zh-CN" altLang="en-US" sz="1800" dirty="0"/>
                     </a:p>
                   </a:txBody>
                   <a:tcPr anchor="ctr">
@@ -4137,10 +4175,10 @@
                     <a:p>
                       <a:pPr algn="ctr"/>
                       <a:r>
-                        <a:rPr lang="en-US" altLang="zh-CN" sz="2800" dirty="0" smtClean="0"/>
+                        <a:rPr lang="en-US" altLang="zh-CN" sz="1800" dirty="0" smtClean="0"/>
                         <a:t>\</a:t>
                       </a:r>
-                      <a:endParaRPr lang="zh-CN" altLang="en-US" sz="2800" dirty="0"/>
+                      <a:endParaRPr lang="zh-CN" altLang="en-US" sz="1800" dirty="0"/>
                     </a:p>
                   </a:txBody>
                   <a:tcPr anchor="ctr">
@@ -4173,10 +4211,10 @@
                     <a:p>
                       <a:pPr algn="ctr"/>
                       <a:r>
-                        <a:rPr lang="en-US" altLang="zh-CN" sz="2800" dirty="0" smtClean="0"/>
+                        <a:rPr lang="en-US" altLang="zh-CN" sz="1800" dirty="0" smtClean="0"/>
                         <a:t>\</a:t>
                       </a:r>
-                      <a:endParaRPr lang="zh-CN" altLang="en-US" sz="2800" dirty="0"/>
+                      <a:endParaRPr lang="zh-CN" altLang="en-US" sz="1800" dirty="0"/>
                     </a:p>
                   </a:txBody>
                   <a:tcPr anchor="ctr">
